--- a/Project/Context/DataReporting.Context.pptx
+++ b/Project/Context/DataReporting.Context.pptx
@@ -847,7 +847,7 @@
           <a:p>
             <a:fld id="{54A72FF6-EC48-42F4-A7DF-40CB7B51F49D}" type="datetimeFigureOut">
               <a:rPr lang="es-CO" smtClean="0"/>
-              <a:t>2/04/2025</a:t>
+              <a:t>4/04/2025</a:t>
             </a:fld>
             <a:endParaRPr lang="es-CO"/>
           </a:p>
@@ -1098,7 +1098,7 @@
           <a:p>
             <a:fld id="{54A72FF6-EC48-42F4-A7DF-40CB7B51F49D}" type="datetimeFigureOut">
               <a:rPr lang="es-CO" smtClean="0"/>
-              <a:t>2/04/2025</a:t>
+              <a:t>4/04/2025</a:t>
             </a:fld>
             <a:endParaRPr lang="es-CO"/>
           </a:p>
@@ -1412,7 +1412,7 @@
           <a:p>
             <a:fld id="{54A72FF6-EC48-42F4-A7DF-40CB7B51F49D}" type="datetimeFigureOut">
               <a:rPr lang="es-CO" smtClean="0"/>
-              <a:t>2/04/2025</a:t>
+              <a:t>4/04/2025</a:t>
             </a:fld>
             <a:endParaRPr lang="es-CO"/>
           </a:p>
@@ -1753,7 +1753,7 @@
           <a:p>
             <a:fld id="{54A72FF6-EC48-42F4-A7DF-40CB7B51F49D}" type="datetimeFigureOut">
               <a:rPr lang="es-CO" smtClean="0"/>
-              <a:t>2/04/2025</a:t>
+              <a:t>4/04/2025</a:t>
             </a:fld>
             <a:endParaRPr lang="es-CO"/>
           </a:p>
@@ -2067,7 +2067,7 @@
           <a:p>
             <a:fld id="{54A72FF6-EC48-42F4-A7DF-40CB7B51F49D}" type="datetimeFigureOut">
               <a:rPr lang="es-CO" smtClean="0"/>
-              <a:t>2/04/2025</a:t>
+              <a:t>4/04/2025</a:t>
             </a:fld>
             <a:endParaRPr lang="es-CO"/>
           </a:p>
@@ -2460,7 +2460,7 @@
           <a:p>
             <a:fld id="{54A72FF6-EC48-42F4-A7DF-40CB7B51F49D}" type="datetimeFigureOut">
               <a:rPr lang="es-CO" smtClean="0"/>
-              <a:t>2/04/2025</a:t>
+              <a:t>4/04/2025</a:t>
             </a:fld>
             <a:endParaRPr lang="es-CO"/>
           </a:p>
@@ -2630,7 +2630,7 @@
           <a:p>
             <a:fld id="{54A72FF6-EC48-42F4-A7DF-40CB7B51F49D}" type="datetimeFigureOut">
               <a:rPr lang="es-CO" smtClean="0"/>
-              <a:t>2/04/2025</a:t>
+              <a:t>4/04/2025</a:t>
             </a:fld>
             <a:endParaRPr lang="es-CO"/>
           </a:p>
@@ -2810,7 +2810,7 @@
           <a:p>
             <a:fld id="{54A72FF6-EC48-42F4-A7DF-40CB7B51F49D}" type="datetimeFigureOut">
               <a:rPr lang="es-CO" smtClean="0"/>
-              <a:t>2/04/2025</a:t>
+              <a:t>4/04/2025</a:t>
             </a:fld>
             <a:endParaRPr lang="es-CO"/>
           </a:p>
@@ -2986,7 +2986,7 @@
           <a:p>
             <a:fld id="{54A72FF6-EC48-42F4-A7DF-40CB7B51F49D}" type="datetimeFigureOut">
               <a:rPr lang="es-CO" smtClean="0"/>
-              <a:t>2/04/2025</a:t>
+              <a:t>4/04/2025</a:t>
             </a:fld>
             <a:endParaRPr lang="es-CO"/>
           </a:p>
@@ -3233,7 +3233,7 @@
           <a:p>
             <a:fld id="{54A72FF6-EC48-42F4-A7DF-40CB7B51F49D}" type="datetimeFigureOut">
               <a:rPr lang="es-CO" smtClean="0"/>
-              <a:t>2/04/2025</a:t>
+              <a:t>4/04/2025</a:t>
             </a:fld>
             <a:endParaRPr lang="es-CO"/>
           </a:p>
@@ -3465,7 +3465,7 @@
           <a:p>
             <a:fld id="{54A72FF6-EC48-42F4-A7DF-40CB7B51F49D}" type="datetimeFigureOut">
               <a:rPr lang="es-CO" smtClean="0"/>
-              <a:t>2/04/2025</a:t>
+              <a:t>4/04/2025</a:t>
             </a:fld>
             <a:endParaRPr lang="es-CO"/>
           </a:p>
@@ -3839,7 +3839,7 @@
           <a:p>
             <a:fld id="{54A72FF6-EC48-42F4-A7DF-40CB7B51F49D}" type="datetimeFigureOut">
               <a:rPr lang="es-CO" smtClean="0"/>
-              <a:t>2/04/2025</a:t>
+              <a:t>4/04/2025</a:t>
             </a:fld>
             <a:endParaRPr lang="es-CO"/>
           </a:p>
@@ -3962,7 +3962,7 @@
           <a:p>
             <a:fld id="{54A72FF6-EC48-42F4-A7DF-40CB7B51F49D}" type="datetimeFigureOut">
               <a:rPr lang="es-CO" smtClean="0"/>
-              <a:t>2/04/2025</a:t>
+              <a:t>4/04/2025</a:t>
             </a:fld>
             <a:endParaRPr lang="es-CO"/>
           </a:p>
@@ -4057,7 +4057,7 @@
           <a:p>
             <a:fld id="{54A72FF6-EC48-42F4-A7DF-40CB7B51F49D}" type="datetimeFigureOut">
               <a:rPr lang="es-CO" smtClean="0"/>
-              <a:t>2/04/2025</a:t>
+              <a:t>4/04/2025</a:t>
             </a:fld>
             <a:endParaRPr lang="es-CO"/>
           </a:p>
@@ -4312,7 +4312,7 @@
           <a:p>
             <a:fld id="{54A72FF6-EC48-42F4-A7DF-40CB7B51F49D}" type="datetimeFigureOut">
               <a:rPr lang="es-CO" smtClean="0"/>
-              <a:t>2/04/2025</a:t>
+              <a:t>4/04/2025</a:t>
             </a:fld>
             <a:endParaRPr lang="es-CO"/>
           </a:p>
@@ -4575,7 +4575,7 @@
           <a:p>
             <a:fld id="{54A72FF6-EC48-42F4-A7DF-40CB7B51F49D}" type="datetimeFigureOut">
               <a:rPr lang="es-CO" smtClean="0"/>
-              <a:t>2/04/2025</a:t>
+              <a:t>4/04/2025</a:t>
             </a:fld>
             <a:endParaRPr lang="es-CO"/>
           </a:p>
@@ -5318,7 +5318,7 @@
           <a:p>
             <a:fld id="{54A72FF6-EC48-42F4-A7DF-40CB7B51F49D}" type="datetimeFigureOut">
               <a:rPr lang="es-CO" smtClean="0"/>
-              <a:t>2/04/2025</a:t>
+              <a:t>4/04/2025</a:t>
             </a:fld>
             <a:endParaRPr lang="es-CO"/>
           </a:p>
@@ -6136,15 +6136,15 @@
             </a:r>
             <a:r>
               <a:rPr lang="es-CO" dirty="0"/>
-              <a:t>, del cliente, correspondiente  a las ventas activas del periodo definido por el trimestre actual. Adicionalmente se encarga de procesar y sincronizar esta información, para almacenarla en una base de datos intermedia que </a:t>
-            </a:r>
-            <a:r>
-              <a:rPr lang="es-CO" dirty="0" err="1"/>
-              <a:t>sencarga</a:t>
+              <a:t>, del cliente, correspondiente  a las ventas activas del periodo definido por el trimestre actual. Adicionalmente se encarga de procesar y sincronizar esta información, para almacenarla en una base de datos intermedia </a:t>
+            </a:r>
+            <a:r>
+              <a:rPr lang="es-CO"/>
+              <a:t>que se encarga </a:t>
             </a:r>
             <a:r>
               <a:rPr lang="es-CO" dirty="0"/>
-              <a:t> de ser la fuente de proceso para el sistema de Reportes.</a:t>
+              <a:t>de ser la fuente de proceso para el sistema de Reportes.</a:t>
             </a:r>
           </a:p>
         </p:txBody>
